--- a/ConceptualModel/ConceptualModel.pptx
+++ b/ConceptualModel/ConceptualModel.pptx
@@ -199,7 +199,7 @@
           <a:p>
             <a:fld id="{54572566-CCA2-4D4D-A440-3FE10FF47AA2}" type="datetimeFigureOut">
               <a:rPr lang="en-US" smtClean="0"/>
-              <a:t>1/20/2019</a:t>
+              <a:t>5/21/2019</a:t>
             </a:fld>
             <a:endParaRPr lang="en-US"/>
           </a:p>
@@ -598,7 +598,7 @@
           <a:p>
             <a:fld id="{E390F6E8-C144-436A-9D85-3DE21C0B37C4}" type="datetimeFigureOut">
               <a:rPr lang="en-US" smtClean="0"/>
-              <a:t>1/20/2019</a:t>
+              <a:t>5/21/2019</a:t>
             </a:fld>
             <a:endParaRPr lang="en-US"/>
           </a:p>
@@ -768,7 +768,7 @@
           <a:p>
             <a:fld id="{E390F6E8-C144-436A-9D85-3DE21C0B37C4}" type="datetimeFigureOut">
               <a:rPr lang="en-US" smtClean="0"/>
-              <a:t>1/20/2019</a:t>
+              <a:t>5/21/2019</a:t>
             </a:fld>
             <a:endParaRPr lang="en-US"/>
           </a:p>
@@ -948,7 +948,7 @@
           <a:p>
             <a:fld id="{E390F6E8-C144-436A-9D85-3DE21C0B37C4}" type="datetimeFigureOut">
               <a:rPr lang="en-US" smtClean="0"/>
-              <a:t>1/20/2019</a:t>
+              <a:t>5/21/2019</a:t>
             </a:fld>
             <a:endParaRPr lang="en-US"/>
           </a:p>
@@ -1118,7 +1118,7 @@
           <a:p>
             <a:fld id="{E390F6E8-C144-436A-9D85-3DE21C0B37C4}" type="datetimeFigureOut">
               <a:rPr lang="en-US" smtClean="0"/>
-              <a:t>1/20/2019</a:t>
+              <a:t>5/21/2019</a:t>
             </a:fld>
             <a:endParaRPr lang="en-US"/>
           </a:p>
@@ -1362,7 +1362,7 @@
           <a:p>
             <a:fld id="{E390F6E8-C144-436A-9D85-3DE21C0B37C4}" type="datetimeFigureOut">
               <a:rPr lang="en-US" smtClean="0"/>
-              <a:t>1/20/2019</a:t>
+              <a:t>5/21/2019</a:t>
             </a:fld>
             <a:endParaRPr lang="en-US"/>
           </a:p>
@@ -1594,7 +1594,7 @@
           <a:p>
             <a:fld id="{E390F6E8-C144-436A-9D85-3DE21C0B37C4}" type="datetimeFigureOut">
               <a:rPr lang="en-US" smtClean="0"/>
-              <a:t>1/20/2019</a:t>
+              <a:t>5/21/2019</a:t>
             </a:fld>
             <a:endParaRPr lang="en-US"/>
           </a:p>
@@ -1961,7 +1961,7 @@
           <a:p>
             <a:fld id="{E390F6E8-C144-436A-9D85-3DE21C0B37C4}" type="datetimeFigureOut">
               <a:rPr lang="en-US" smtClean="0"/>
-              <a:t>1/20/2019</a:t>
+              <a:t>5/21/2019</a:t>
             </a:fld>
             <a:endParaRPr lang="en-US"/>
           </a:p>
@@ -2079,7 +2079,7 @@
           <a:p>
             <a:fld id="{E390F6E8-C144-436A-9D85-3DE21C0B37C4}" type="datetimeFigureOut">
               <a:rPr lang="en-US" smtClean="0"/>
-              <a:t>1/20/2019</a:t>
+              <a:t>5/21/2019</a:t>
             </a:fld>
             <a:endParaRPr lang="en-US"/>
           </a:p>
@@ -2174,7 +2174,7 @@
           <a:p>
             <a:fld id="{E390F6E8-C144-436A-9D85-3DE21C0B37C4}" type="datetimeFigureOut">
               <a:rPr lang="en-US" smtClean="0"/>
-              <a:t>1/20/2019</a:t>
+              <a:t>5/21/2019</a:t>
             </a:fld>
             <a:endParaRPr lang="en-US"/>
           </a:p>
@@ -2451,7 +2451,7 @@
           <a:p>
             <a:fld id="{E390F6E8-C144-436A-9D85-3DE21C0B37C4}" type="datetimeFigureOut">
               <a:rPr lang="en-US" smtClean="0"/>
-              <a:t>1/20/2019</a:t>
+              <a:t>5/21/2019</a:t>
             </a:fld>
             <a:endParaRPr lang="en-US"/>
           </a:p>
@@ -2708,7 +2708,7 @@
           <a:p>
             <a:fld id="{E390F6E8-C144-436A-9D85-3DE21C0B37C4}" type="datetimeFigureOut">
               <a:rPr lang="en-US" smtClean="0"/>
-              <a:t>1/20/2019</a:t>
+              <a:t>5/21/2019</a:t>
             </a:fld>
             <a:endParaRPr lang="en-US"/>
           </a:p>
@@ -2921,7 +2921,7 @@
           <a:p>
             <a:fld id="{E390F6E8-C144-436A-9D85-3DE21C0B37C4}" type="datetimeFigureOut">
               <a:rPr lang="en-US" smtClean="0"/>
-              <a:t>1/20/2019</a:t>
+              <a:t>5/21/2019</a:t>
             </a:fld>
             <a:endParaRPr lang="en-US"/>
           </a:p>
@@ -28909,14 +28909,7 @@
                 <a:latin typeface="Arial" panose="020B0604020202020204" pitchFamily="34" charset="0"/>
                 <a:cs typeface="Arial" panose="020B0604020202020204" pitchFamily="34" charset="0"/>
               </a:rPr>
-              <a:t>Semi-aquatic </a:t>
-            </a:r>
-            <a:r>
-              <a:rPr lang="en-US" dirty="0" smtClean="0">
-                <a:latin typeface="Arial" panose="020B0604020202020204" pitchFamily="34" charset="0"/>
-                <a:cs typeface="Arial" panose="020B0604020202020204" pitchFamily="34" charset="0"/>
-              </a:rPr>
-              <a:t>connectivity</a:t>
+              <a:t>Semi-aquatic connectivity</a:t>
             </a:r>
             <a:endParaRPr lang="en-US" dirty="0">
               <a:latin typeface="Arial" panose="020B0604020202020204" pitchFamily="34" charset="0"/>
@@ -28953,14 +28946,7 @@
                 <a:latin typeface="Arial" panose="020B0604020202020204" pitchFamily="34" charset="0"/>
                 <a:cs typeface="Arial" panose="020B0604020202020204" pitchFamily="34" charset="0"/>
               </a:rPr>
-              <a:t>Aquatic </a:t>
-            </a:r>
-            <a:r>
-              <a:rPr lang="en-US" dirty="0" smtClean="0">
-                <a:latin typeface="Arial" panose="020B0604020202020204" pitchFamily="34" charset="0"/>
-                <a:cs typeface="Arial" panose="020B0604020202020204" pitchFamily="34" charset="0"/>
-              </a:rPr>
-              <a:t>connectivity</a:t>
+              <a:t>Aquatic connectivity</a:t>
             </a:r>
             <a:endParaRPr lang="en-US" dirty="0">
               <a:latin typeface="Arial" panose="020B0604020202020204" pitchFamily="34" charset="0"/>
@@ -33793,9 +33779,9 @@
         <p:grpSpPr>
           <a:xfrm>
             <a:off x="6983083" y="2340483"/>
-            <a:ext cx="1998437" cy="1708160"/>
+            <a:ext cx="1998437" cy="1938992"/>
             <a:chOff x="6983083" y="2340483"/>
-            <a:chExt cx="1998437" cy="1708160"/>
+            <a:chExt cx="1998437" cy="1938992"/>
           </a:xfrm>
         </p:grpSpPr>
         <p:cxnSp>
@@ -33910,603 +33896,6 @@
         </p:cxnSp>
         <p:sp>
           <p:nvSpPr>
-            <p:cNvPr id="98" name="Freeform 97"/>
-            <p:cNvSpPr/>
-            <p:nvPr/>
-          </p:nvSpPr>
-          <p:spPr>
-            <a:xfrm flipH="1" flipV="1">
-              <a:off x="7118716" y="3574926"/>
-              <a:ext cx="190499" cy="142292"/>
-            </a:xfrm>
-            <a:custGeom>
-              <a:avLst/>
-              <a:gdLst>
-                <a:gd name="connsiteX0" fmla="*/ 990600 w 1959855"/>
-                <a:gd name="connsiteY0" fmla="*/ 83891 h 856777"/>
-                <a:gd name="connsiteX1" fmla="*/ 990600 w 1959855"/>
-                <a:gd name="connsiteY1" fmla="*/ 83891 h 856777"/>
-                <a:gd name="connsiteX2" fmla="*/ 685800 w 1959855"/>
-                <a:gd name="connsiteY2" fmla="*/ 116549 h 856777"/>
-                <a:gd name="connsiteX3" fmla="*/ 566058 w 1959855"/>
-                <a:gd name="connsiteY3" fmla="*/ 138320 h 856777"/>
-                <a:gd name="connsiteX4" fmla="*/ 522515 w 1959855"/>
-                <a:gd name="connsiteY4" fmla="*/ 149206 h 856777"/>
-                <a:gd name="connsiteX5" fmla="*/ 435429 w 1959855"/>
-                <a:gd name="connsiteY5" fmla="*/ 160091 h 856777"/>
-                <a:gd name="connsiteX6" fmla="*/ 381000 w 1959855"/>
-                <a:gd name="connsiteY6" fmla="*/ 181863 h 856777"/>
-                <a:gd name="connsiteX7" fmla="*/ 348343 w 1959855"/>
-                <a:gd name="connsiteY7" fmla="*/ 203634 h 856777"/>
-                <a:gd name="connsiteX8" fmla="*/ 272143 w 1959855"/>
-                <a:gd name="connsiteY8" fmla="*/ 225406 h 856777"/>
-                <a:gd name="connsiteX9" fmla="*/ 239486 w 1959855"/>
-                <a:gd name="connsiteY9" fmla="*/ 247177 h 856777"/>
-                <a:gd name="connsiteX10" fmla="*/ 195943 w 1959855"/>
-                <a:gd name="connsiteY10" fmla="*/ 268949 h 856777"/>
-                <a:gd name="connsiteX11" fmla="*/ 108858 w 1959855"/>
-                <a:gd name="connsiteY11" fmla="*/ 356034 h 856777"/>
-                <a:gd name="connsiteX12" fmla="*/ 32658 w 1959855"/>
-                <a:gd name="connsiteY12" fmla="*/ 443120 h 856777"/>
-                <a:gd name="connsiteX13" fmla="*/ 21772 w 1959855"/>
-                <a:gd name="connsiteY13" fmla="*/ 486663 h 856777"/>
-                <a:gd name="connsiteX14" fmla="*/ 0 w 1959855"/>
-                <a:gd name="connsiteY14" fmla="*/ 562863 h 856777"/>
-                <a:gd name="connsiteX15" fmla="*/ 10886 w 1959855"/>
-                <a:gd name="connsiteY15" fmla="*/ 660834 h 856777"/>
-                <a:gd name="connsiteX16" fmla="*/ 65315 w 1959855"/>
-                <a:gd name="connsiteY16" fmla="*/ 671720 h 856777"/>
-                <a:gd name="connsiteX17" fmla="*/ 119743 w 1959855"/>
-                <a:gd name="connsiteY17" fmla="*/ 693491 h 856777"/>
-                <a:gd name="connsiteX18" fmla="*/ 206829 w 1959855"/>
-                <a:gd name="connsiteY18" fmla="*/ 715263 h 856777"/>
-                <a:gd name="connsiteX19" fmla="*/ 239486 w 1959855"/>
-                <a:gd name="connsiteY19" fmla="*/ 726149 h 856777"/>
-                <a:gd name="connsiteX20" fmla="*/ 272143 w 1959855"/>
-                <a:gd name="connsiteY20" fmla="*/ 747920 h 856777"/>
-                <a:gd name="connsiteX21" fmla="*/ 293915 w 1959855"/>
-                <a:gd name="connsiteY21" fmla="*/ 769691 h 856777"/>
-                <a:gd name="connsiteX22" fmla="*/ 391886 w 1959855"/>
-                <a:gd name="connsiteY22" fmla="*/ 791463 h 856777"/>
-                <a:gd name="connsiteX23" fmla="*/ 696686 w 1959855"/>
-                <a:gd name="connsiteY23" fmla="*/ 802349 h 856777"/>
-                <a:gd name="connsiteX24" fmla="*/ 827315 w 1959855"/>
-                <a:gd name="connsiteY24" fmla="*/ 824120 h 856777"/>
-                <a:gd name="connsiteX25" fmla="*/ 892629 w 1959855"/>
-                <a:gd name="connsiteY25" fmla="*/ 856777 h 856777"/>
-                <a:gd name="connsiteX26" fmla="*/ 1088572 w 1959855"/>
-                <a:gd name="connsiteY26" fmla="*/ 802349 h 856777"/>
-                <a:gd name="connsiteX27" fmla="*/ 1132115 w 1959855"/>
-                <a:gd name="connsiteY27" fmla="*/ 758806 h 856777"/>
-                <a:gd name="connsiteX28" fmla="*/ 1153886 w 1959855"/>
-                <a:gd name="connsiteY28" fmla="*/ 726149 h 856777"/>
-                <a:gd name="connsiteX29" fmla="*/ 1208315 w 1959855"/>
-                <a:gd name="connsiteY29" fmla="*/ 682606 h 856777"/>
-                <a:gd name="connsiteX30" fmla="*/ 1251858 w 1959855"/>
-                <a:gd name="connsiteY30" fmla="*/ 671720 h 856777"/>
-                <a:gd name="connsiteX31" fmla="*/ 1371600 w 1959855"/>
-                <a:gd name="connsiteY31" fmla="*/ 682606 h 856777"/>
-                <a:gd name="connsiteX32" fmla="*/ 1404258 w 1959855"/>
-                <a:gd name="connsiteY32" fmla="*/ 704377 h 856777"/>
-                <a:gd name="connsiteX33" fmla="*/ 1502229 w 1959855"/>
-                <a:gd name="connsiteY33" fmla="*/ 715263 h 856777"/>
-                <a:gd name="connsiteX34" fmla="*/ 1556658 w 1959855"/>
-                <a:gd name="connsiteY34" fmla="*/ 747920 h 856777"/>
-                <a:gd name="connsiteX35" fmla="*/ 1643743 w 1959855"/>
-                <a:gd name="connsiteY35" fmla="*/ 769691 h 856777"/>
-                <a:gd name="connsiteX36" fmla="*/ 1807029 w 1959855"/>
-                <a:gd name="connsiteY36" fmla="*/ 747920 h 856777"/>
-                <a:gd name="connsiteX37" fmla="*/ 1872343 w 1959855"/>
-                <a:gd name="connsiteY37" fmla="*/ 737034 h 856777"/>
-                <a:gd name="connsiteX38" fmla="*/ 1926772 w 1959855"/>
-                <a:gd name="connsiteY38" fmla="*/ 715263 h 856777"/>
-                <a:gd name="connsiteX39" fmla="*/ 1959429 w 1959855"/>
-                <a:gd name="connsiteY39" fmla="*/ 649949 h 856777"/>
-                <a:gd name="connsiteX40" fmla="*/ 1937658 w 1959855"/>
-                <a:gd name="connsiteY40" fmla="*/ 377806 h 856777"/>
-                <a:gd name="connsiteX41" fmla="*/ 1926772 w 1959855"/>
-                <a:gd name="connsiteY41" fmla="*/ 345149 h 856777"/>
-                <a:gd name="connsiteX42" fmla="*/ 1883229 w 1959855"/>
-                <a:gd name="connsiteY42" fmla="*/ 279834 h 856777"/>
-                <a:gd name="connsiteX43" fmla="*/ 1839686 w 1959855"/>
-                <a:gd name="connsiteY43" fmla="*/ 214520 h 856777"/>
-                <a:gd name="connsiteX44" fmla="*/ 1807029 w 1959855"/>
-                <a:gd name="connsiteY44" fmla="*/ 149206 h 856777"/>
-                <a:gd name="connsiteX45" fmla="*/ 1774372 w 1959855"/>
-                <a:gd name="connsiteY45" fmla="*/ 127434 h 856777"/>
-                <a:gd name="connsiteX46" fmla="*/ 1752600 w 1959855"/>
-                <a:gd name="connsiteY46" fmla="*/ 105663 h 856777"/>
-                <a:gd name="connsiteX47" fmla="*/ 1665515 w 1959855"/>
-                <a:gd name="connsiteY47" fmla="*/ 83891 h 856777"/>
-                <a:gd name="connsiteX48" fmla="*/ 1643743 w 1959855"/>
-                <a:gd name="connsiteY48" fmla="*/ 62120 h 856777"/>
-                <a:gd name="connsiteX49" fmla="*/ 1480458 w 1959855"/>
-                <a:gd name="connsiteY49" fmla="*/ 29463 h 856777"/>
-                <a:gd name="connsiteX50" fmla="*/ 1447800 w 1959855"/>
-                <a:gd name="connsiteY50" fmla="*/ 18577 h 856777"/>
-                <a:gd name="connsiteX51" fmla="*/ 1077686 w 1959855"/>
-                <a:gd name="connsiteY51" fmla="*/ 18577 h 856777"/>
-                <a:gd name="connsiteX52" fmla="*/ 990600 w 1959855"/>
-                <a:gd name="connsiteY52" fmla="*/ 40349 h 856777"/>
-                <a:gd name="connsiteX53" fmla="*/ 990600 w 1959855"/>
-                <a:gd name="connsiteY53" fmla="*/ 83891 h 856777"/>
-              </a:gdLst>
-              <a:ahLst/>
-              <a:cxnLst>
-                <a:cxn ang="0">
-                  <a:pos x="connsiteX0" y="connsiteY0"/>
-                </a:cxn>
-                <a:cxn ang="0">
-                  <a:pos x="connsiteX1" y="connsiteY1"/>
-                </a:cxn>
-                <a:cxn ang="0">
-                  <a:pos x="connsiteX2" y="connsiteY2"/>
-                </a:cxn>
-                <a:cxn ang="0">
-                  <a:pos x="connsiteX3" y="connsiteY3"/>
-                </a:cxn>
-                <a:cxn ang="0">
-                  <a:pos x="connsiteX4" y="connsiteY4"/>
-                </a:cxn>
-                <a:cxn ang="0">
-                  <a:pos x="connsiteX5" y="connsiteY5"/>
-                </a:cxn>
-                <a:cxn ang="0">
-                  <a:pos x="connsiteX6" y="connsiteY6"/>
-                </a:cxn>
-                <a:cxn ang="0">
-                  <a:pos x="connsiteX7" y="connsiteY7"/>
-                </a:cxn>
-                <a:cxn ang="0">
-                  <a:pos x="connsiteX8" y="connsiteY8"/>
-                </a:cxn>
-                <a:cxn ang="0">
-                  <a:pos x="connsiteX9" y="connsiteY9"/>
-                </a:cxn>
-                <a:cxn ang="0">
-                  <a:pos x="connsiteX10" y="connsiteY10"/>
-                </a:cxn>
-                <a:cxn ang="0">
-                  <a:pos x="connsiteX11" y="connsiteY11"/>
-                </a:cxn>
-                <a:cxn ang="0">
-                  <a:pos x="connsiteX12" y="connsiteY12"/>
-                </a:cxn>
-                <a:cxn ang="0">
-                  <a:pos x="connsiteX13" y="connsiteY13"/>
-                </a:cxn>
-                <a:cxn ang="0">
-                  <a:pos x="connsiteX14" y="connsiteY14"/>
-                </a:cxn>
-                <a:cxn ang="0">
-                  <a:pos x="connsiteX15" y="connsiteY15"/>
-                </a:cxn>
-                <a:cxn ang="0">
-                  <a:pos x="connsiteX16" y="connsiteY16"/>
-                </a:cxn>
-                <a:cxn ang="0">
-                  <a:pos x="connsiteX17" y="connsiteY17"/>
-                </a:cxn>
-                <a:cxn ang="0">
-                  <a:pos x="connsiteX18" y="connsiteY18"/>
-                </a:cxn>
-                <a:cxn ang="0">
-                  <a:pos x="connsiteX19" y="connsiteY19"/>
-                </a:cxn>
-                <a:cxn ang="0">
-                  <a:pos x="connsiteX20" y="connsiteY20"/>
-                </a:cxn>
-                <a:cxn ang="0">
-                  <a:pos x="connsiteX21" y="connsiteY21"/>
-                </a:cxn>
-                <a:cxn ang="0">
-                  <a:pos x="connsiteX22" y="connsiteY22"/>
-                </a:cxn>
-                <a:cxn ang="0">
-                  <a:pos x="connsiteX23" y="connsiteY23"/>
-                </a:cxn>
-                <a:cxn ang="0">
-                  <a:pos x="connsiteX24" y="connsiteY24"/>
-                </a:cxn>
-                <a:cxn ang="0">
-                  <a:pos x="connsiteX25" y="connsiteY25"/>
-                </a:cxn>
-                <a:cxn ang="0">
-                  <a:pos x="connsiteX26" y="connsiteY26"/>
-                </a:cxn>
-                <a:cxn ang="0">
-                  <a:pos x="connsiteX27" y="connsiteY27"/>
-                </a:cxn>
-                <a:cxn ang="0">
-                  <a:pos x="connsiteX28" y="connsiteY28"/>
-                </a:cxn>
-                <a:cxn ang="0">
-                  <a:pos x="connsiteX29" y="connsiteY29"/>
-                </a:cxn>
-                <a:cxn ang="0">
-                  <a:pos x="connsiteX30" y="connsiteY30"/>
-                </a:cxn>
-                <a:cxn ang="0">
-                  <a:pos x="connsiteX31" y="connsiteY31"/>
-                </a:cxn>
-                <a:cxn ang="0">
-                  <a:pos x="connsiteX32" y="connsiteY32"/>
-                </a:cxn>
-                <a:cxn ang="0">
-                  <a:pos x="connsiteX33" y="connsiteY33"/>
-                </a:cxn>
-                <a:cxn ang="0">
-                  <a:pos x="connsiteX34" y="connsiteY34"/>
-                </a:cxn>
-                <a:cxn ang="0">
-                  <a:pos x="connsiteX35" y="connsiteY35"/>
-                </a:cxn>
-                <a:cxn ang="0">
-                  <a:pos x="connsiteX36" y="connsiteY36"/>
-                </a:cxn>
-                <a:cxn ang="0">
-                  <a:pos x="connsiteX37" y="connsiteY37"/>
-                </a:cxn>
-                <a:cxn ang="0">
-                  <a:pos x="connsiteX38" y="connsiteY38"/>
-                </a:cxn>
-                <a:cxn ang="0">
-                  <a:pos x="connsiteX39" y="connsiteY39"/>
-                </a:cxn>
-                <a:cxn ang="0">
-                  <a:pos x="connsiteX40" y="connsiteY40"/>
-                </a:cxn>
-                <a:cxn ang="0">
-                  <a:pos x="connsiteX41" y="connsiteY41"/>
-                </a:cxn>
-                <a:cxn ang="0">
-                  <a:pos x="connsiteX42" y="connsiteY42"/>
-                </a:cxn>
-                <a:cxn ang="0">
-                  <a:pos x="connsiteX43" y="connsiteY43"/>
-                </a:cxn>
-                <a:cxn ang="0">
-                  <a:pos x="connsiteX44" y="connsiteY44"/>
-                </a:cxn>
-                <a:cxn ang="0">
-                  <a:pos x="connsiteX45" y="connsiteY45"/>
-                </a:cxn>
-                <a:cxn ang="0">
-                  <a:pos x="connsiteX46" y="connsiteY46"/>
-                </a:cxn>
-                <a:cxn ang="0">
-                  <a:pos x="connsiteX47" y="connsiteY47"/>
-                </a:cxn>
-                <a:cxn ang="0">
-                  <a:pos x="connsiteX48" y="connsiteY48"/>
-                </a:cxn>
-                <a:cxn ang="0">
-                  <a:pos x="connsiteX49" y="connsiteY49"/>
-                </a:cxn>
-                <a:cxn ang="0">
-                  <a:pos x="connsiteX50" y="connsiteY50"/>
-                </a:cxn>
-                <a:cxn ang="0">
-                  <a:pos x="connsiteX51" y="connsiteY51"/>
-                </a:cxn>
-                <a:cxn ang="0">
-                  <a:pos x="connsiteX52" y="connsiteY52"/>
-                </a:cxn>
-                <a:cxn ang="0">
-                  <a:pos x="connsiteX53" y="connsiteY53"/>
-                </a:cxn>
-              </a:cxnLst>
-              <a:rect l="l" t="t" r="r" b="b"/>
-              <a:pathLst>
-                <a:path w="1959855" h="856777">
-                  <a:moveTo>
-                    <a:pt x="990600" y="83891"/>
-                  </a:moveTo>
-                  <a:lnTo>
-                    <a:pt x="990600" y="83891"/>
-                  </a:lnTo>
-                  <a:cubicBezTo>
-                    <a:pt x="889000" y="94777"/>
-                    <a:pt x="787152" y="103555"/>
-                    <a:pt x="685800" y="116549"/>
-                  </a:cubicBezTo>
-                  <a:cubicBezTo>
-                    <a:pt x="645561" y="121708"/>
-                    <a:pt x="605839" y="130364"/>
-                    <a:pt x="566058" y="138320"/>
-                  </a:cubicBezTo>
-                  <a:cubicBezTo>
-                    <a:pt x="551387" y="141254"/>
-                    <a:pt x="537273" y="146746"/>
-                    <a:pt x="522515" y="149206"/>
-                  </a:cubicBezTo>
-                  <a:cubicBezTo>
-                    <a:pt x="493658" y="154015"/>
-                    <a:pt x="464458" y="156463"/>
-                    <a:pt x="435429" y="160091"/>
-                  </a:cubicBezTo>
-                  <a:cubicBezTo>
-                    <a:pt x="417286" y="167348"/>
-                    <a:pt x="398478" y="173124"/>
-                    <a:pt x="381000" y="181863"/>
-                  </a:cubicBezTo>
-                  <a:cubicBezTo>
-                    <a:pt x="369298" y="187714"/>
-                    <a:pt x="360045" y="197783"/>
-                    <a:pt x="348343" y="203634"/>
-                  </a:cubicBezTo>
-                  <a:cubicBezTo>
-                    <a:pt x="332725" y="211443"/>
-                    <a:pt x="286096" y="221918"/>
-                    <a:pt x="272143" y="225406"/>
-                  </a:cubicBezTo>
-                  <a:cubicBezTo>
-                    <a:pt x="261257" y="232663"/>
-                    <a:pt x="250845" y="240686"/>
-                    <a:pt x="239486" y="247177"/>
-                  </a:cubicBezTo>
-                  <a:cubicBezTo>
-                    <a:pt x="225397" y="255228"/>
-                    <a:pt x="209445" y="259948"/>
-                    <a:pt x="195943" y="268949"/>
-                  </a:cubicBezTo>
-                  <a:cubicBezTo>
-                    <a:pt x="120177" y="319460"/>
-                    <a:pt x="161055" y="297312"/>
-                    <a:pt x="108858" y="356034"/>
-                  </a:cubicBezTo>
-                  <a:cubicBezTo>
-                    <a:pt x="23952" y="451554"/>
-                    <a:pt x="79484" y="372879"/>
-                    <a:pt x="32658" y="443120"/>
-                  </a:cubicBezTo>
-                  <a:cubicBezTo>
-                    <a:pt x="29029" y="457634"/>
-                    <a:pt x="25882" y="472278"/>
-                    <a:pt x="21772" y="486663"/>
-                  </a:cubicBezTo>
-                  <a:cubicBezTo>
-                    <a:pt x="-9462" y="595981"/>
-                    <a:pt x="34032" y="426740"/>
-                    <a:pt x="0" y="562863"/>
-                  </a:cubicBezTo>
-                  <a:cubicBezTo>
-                    <a:pt x="3629" y="595520"/>
-                    <a:pt x="-6019" y="632659"/>
-                    <a:pt x="10886" y="660834"/>
-                  </a:cubicBezTo>
-                  <a:cubicBezTo>
-                    <a:pt x="20405" y="676700"/>
-                    <a:pt x="47593" y="666403"/>
-                    <a:pt x="65315" y="671720"/>
-                  </a:cubicBezTo>
-                  <a:cubicBezTo>
-                    <a:pt x="84031" y="677335"/>
-                    <a:pt x="101067" y="687744"/>
-                    <a:pt x="119743" y="693491"/>
-                  </a:cubicBezTo>
-                  <a:cubicBezTo>
-                    <a:pt x="148342" y="702291"/>
-                    <a:pt x="178442" y="705801"/>
-                    <a:pt x="206829" y="715263"/>
-                  </a:cubicBezTo>
-                  <a:cubicBezTo>
-                    <a:pt x="217715" y="718892"/>
-                    <a:pt x="229223" y="721017"/>
-                    <a:pt x="239486" y="726149"/>
-                  </a:cubicBezTo>
-                  <a:cubicBezTo>
-                    <a:pt x="251188" y="732000"/>
-                    <a:pt x="261927" y="739747"/>
-                    <a:pt x="272143" y="747920"/>
-                  </a:cubicBezTo>
-                  <a:cubicBezTo>
-                    <a:pt x="280157" y="754331"/>
-                    <a:pt x="284735" y="765101"/>
-                    <a:pt x="293915" y="769691"/>
-                  </a:cubicBezTo>
-                  <a:cubicBezTo>
-                    <a:pt x="302695" y="774081"/>
-                    <a:pt x="387976" y="791226"/>
-                    <a:pt x="391886" y="791463"/>
-                  </a:cubicBezTo>
-                  <a:cubicBezTo>
-                    <a:pt x="493365" y="797613"/>
-                    <a:pt x="595086" y="798720"/>
-                    <a:pt x="696686" y="802349"/>
-                  </a:cubicBezTo>
-                  <a:cubicBezTo>
-                    <a:pt x="715894" y="804750"/>
-                    <a:pt x="797696" y="811426"/>
-                    <a:pt x="827315" y="824120"/>
-                  </a:cubicBezTo>
-                  <a:cubicBezTo>
-                    <a:pt x="975040" y="887431"/>
-                    <a:pt x="755012" y="810903"/>
-                    <a:pt x="892629" y="856777"/>
-                  </a:cubicBezTo>
-                  <a:cubicBezTo>
-                    <a:pt x="993768" y="841217"/>
-                    <a:pt x="1020388" y="855381"/>
-                    <a:pt x="1088572" y="802349"/>
-                  </a:cubicBezTo>
-                  <a:cubicBezTo>
-                    <a:pt x="1104775" y="789747"/>
-                    <a:pt x="1120729" y="775885"/>
-                    <a:pt x="1132115" y="758806"/>
-                  </a:cubicBezTo>
-                  <a:cubicBezTo>
-                    <a:pt x="1139372" y="747920"/>
-                    <a:pt x="1145713" y="736365"/>
-                    <a:pt x="1153886" y="726149"/>
-                  </a:cubicBezTo>
-                  <a:cubicBezTo>
-                    <a:pt x="1166100" y="710882"/>
-                    <a:pt x="1191095" y="689986"/>
-                    <a:pt x="1208315" y="682606"/>
-                  </a:cubicBezTo>
-                  <a:cubicBezTo>
-                    <a:pt x="1222066" y="676713"/>
-                    <a:pt x="1237344" y="675349"/>
-                    <a:pt x="1251858" y="671720"/>
-                  </a:cubicBezTo>
-                  <a:cubicBezTo>
-                    <a:pt x="1291772" y="675349"/>
-                    <a:pt x="1332411" y="674208"/>
-                    <a:pt x="1371600" y="682606"/>
-                  </a:cubicBezTo>
-                  <a:cubicBezTo>
-                    <a:pt x="1384393" y="685347"/>
-                    <a:pt x="1391565" y="701204"/>
-                    <a:pt x="1404258" y="704377"/>
-                  </a:cubicBezTo>
-                  <a:cubicBezTo>
-                    <a:pt x="1436135" y="712346"/>
-                    <a:pt x="1469572" y="711634"/>
-                    <a:pt x="1502229" y="715263"/>
-                  </a:cubicBezTo>
-                  <a:cubicBezTo>
-                    <a:pt x="1520372" y="726149"/>
-                    <a:pt x="1536910" y="740325"/>
-                    <a:pt x="1556658" y="747920"/>
-                  </a:cubicBezTo>
-                  <a:cubicBezTo>
-                    <a:pt x="1584585" y="758661"/>
-                    <a:pt x="1643743" y="769691"/>
-                    <a:pt x="1643743" y="769691"/>
-                  </a:cubicBezTo>
-                  <a:lnTo>
-                    <a:pt x="1807029" y="747920"/>
-                  </a:lnTo>
-                  <a:cubicBezTo>
-                    <a:pt x="1828879" y="744799"/>
-                    <a:pt x="1851049" y="742841"/>
-                    <a:pt x="1872343" y="737034"/>
-                  </a:cubicBezTo>
-                  <a:cubicBezTo>
-                    <a:pt x="1891195" y="731893"/>
-                    <a:pt x="1908629" y="722520"/>
-                    <a:pt x="1926772" y="715263"/>
-                  </a:cubicBezTo>
-                  <a:cubicBezTo>
-                    <a:pt x="1949946" y="692088"/>
-                    <a:pt x="1959429" y="690072"/>
-                    <a:pt x="1959429" y="649949"/>
-                  </a:cubicBezTo>
-                  <a:cubicBezTo>
-                    <a:pt x="1959429" y="521948"/>
-                    <a:pt x="1964769" y="472698"/>
-                    <a:pt x="1937658" y="377806"/>
-                  </a:cubicBezTo>
-                  <a:cubicBezTo>
-                    <a:pt x="1934506" y="366773"/>
-                    <a:pt x="1932345" y="355180"/>
-                    <a:pt x="1926772" y="345149"/>
-                  </a:cubicBezTo>
-                  <a:cubicBezTo>
-                    <a:pt x="1914065" y="322276"/>
-                    <a:pt x="1891504" y="304657"/>
-                    <a:pt x="1883229" y="279834"/>
-                  </a:cubicBezTo>
-                  <a:cubicBezTo>
-                    <a:pt x="1867475" y="232572"/>
-                    <a:pt x="1880457" y="255291"/>
-                    <a:pt x="1839686" y="214520"/>
-                  </a:cubicBezTo>
-                  <a:cubicBezTo>
-                    <a:pt x="1830832" y="187960"/>
-                    <a:pt x="1828130" y="170308"/>
-                    <a:pt x="1807029" y="149206"/>
-                  </a:cubicBezTo>
-                  <a:cubicBezTo>
-                    <a:pt x="1797778" y="139955"/>
-                    <a:pt x="1784588" y="135607"/>
-                    <a:pt x="1774372" y="127434"/>
-                  </a:cubicBezTo>
-                  <a:cubicBezTo>
-                    <a:pt x="1766358" y="121023"/>
-                    <a:pt x="1762129" y="109475"/>
-                    <a:pt x="1752600" y="105663"/>
-                  </a:cubicBezTo>
-                  <a:cubicBezTo>
-                    <a:pt x="1724818" y="94550"/>
-                    <a:pt x="1665515" y="83891"/>
-                    <a:pt x="1665515" y="83891"/>
-                  </a:cubicBezTo>
-                  <a:cubicBezTo>
-                    <a:pt x="1658258" y="76634"/>
-                    <a:pt x="1652923" y="66710"/>
-                    <a:pt x="1643743" y="62120"/>
-                  </a:cubicBezTo>
-                  <a:cubicBezTo>
-                    <a:pt x="1588608" y="34553"/>
-                    <a:pt x="1542032" y="36305"/>
-                    <a:pt x="1480458" y="29463"/>
-                  </a:cubicBezTo>
-                  <a:cubicBezTo>
-                    <a:pt x="1469572" y="25834"/>
-                    <a:pt x="1458833" y="21729"/>
-                    <a:pt x="1447800" y="18577"/>
-                  </a:cubicBezTo>
-                  <a:cubicBezTo>
-                    <a:pt x="1315293" y="-19283"/>
-                    <a:pt x="1297630" y="11245"/>
-                    <a:pt x="1077686" y="18577"/>
-                  </a:cubicBezTo>
-                  <a:cubicBezTo>
-                    <a:pt x="1056984" y="22718"/>
-                    <a:pt x="1012916" y="29191"/>
-                    <a:pt x="990600" y="40349"/>
-                  </a:cubicBezTo>
-                  <a:cubicBezTo>
-                    <a:pt x="965980" y="52659"/>
-                    <a:pt x="990600" y="76634"/>
-                    <a:pt x="990600" y="83891"/>
-                  </a:cubicBezTo>
-                  <a:close/>
-                </a:path>
-              </a:pathLst>
-            </a:custGeom>
-            <a:solidFill>
-              <a:schemeClr val="bg1">
-                <a:lumMod val="75000"/>
-              </a:schemeClr>
-            </a:solidFill>
-            <a:ln>
-              <a:solidFill>
-                <a:schemeClr val="bg1">
-                  <a:lumMod val="65000"/>
-                </a:schemeClr>
-              </a:solidFill>
-            </a:ln>
-          </p:spPr>
-          <p:style>
-            <a:lnRef idx="2">
-              <a:schemeClr val="accent1">
-                <a:shade val="50000"/>
-              </a:schemeClr>
-            </a:lnRef>
-            <a:fillRef idx="1">
-              <a:schemeClr val="accent1"/>
-            </a:fillRef>
-            <a:effectRef idx="0">
-              <a:schemeClr val="accent1"/>
-            </a:effectRef>
-            <a:fontRef idx="minor">
-              <a:schemeClr val="lt1"/>
-            </a:fontRef>
-          </p:style>
-          <p:txBody>
-            <a:bodyPr rtlCol="0" anchor="ctr"/>
-            <a:lstStyle/>
-            <a:p>
-              <a:pPr algn="ctr"/>
-              <a:endParaRPr lang="en-US"/>
-            </a:p>
-          </p:txBody>
-        </p:sp>
-        <p:sp>
-          <p:nvSpPr>
             <p:cNvPr id="99" name="TextBox 98"/>
             <p:cNvSpPr txBox="1"/>
             <p:nvPr/>
@@ -34514,7 +33903,7 @@
           <p:spPr>
             <a:xfrm>
               <a:off x="7400801" y="2340483"/>
-              <a:ext cx="1580719" cy="1708160"/>
+              <a:ext cx="1580719" cy="1938992"/>
             </a:xfrm>
             <a:prstGeom prst="rect">
               <a:avLst/>
@@ -34603,12 +33992,37 @@
                 </a:lnSpc>
               </a:pPr>
               <a:r>
+                <a:rPr lang="en-US" sz="1000" dirty="0">
+                  <a:latin typeface="Arial" panose="020B0604020202020204" pitchFamily="34" charset="0"/>
+                  <a:cs typeface="Arial" panose="020B0604020202020204" pitchFamily="34" charset="0"/>
+                </a:rPr>
+                <a:t>Focal lake</a:t>
+              </a:r>
+            </a:p>
+            <a:p>
+              <a:pPr>
+                <a:lnSpc>
+                  <a:spcPct val="150000"/>
+                </a:lnSpc>
+              </a:pPr>
+              <a:r>
+                <a:rPr lang="en-US" sz="1000" dirty="0">
+                  <a:latin typeface="Arial" panose="020B0604020202020204" pitchFamily="34" charset="0"/>
+                  <a:cs typeface="Arial" panose="020B0604020202020204" pitchFamily="34" charset="0"/>
+                </a:rPr>
+                <a:t>Non-focal </a:t>
+              </a:r>
+              <a:r>
                 <a:rPr lang="en-US" sz="1000" dirty="0" smtClean="0">
                   <a:latin typeface="Arial" panose="020B0604020202020204" pitchFamily="34" charset="0"/>
                   <a:cs typeface="Arial" panose="020B0604020202020204" pitchFamily="34" charset="0"/>
                 </a:rPr>
-                <a:t>Wetland</a:t>
+                <a:t>lake</a:t>
               </a:r>
+              <a:endParaRPr lang="en-US" sz="1000" dirty="0" smtClean="0">
+                <a:latin typeface="Arial" panose="020B0604020202020204" pitchFamily="34" charset="0"/>
+                <a:cs typeface="Arial" panose="020B0604020202020204" pitchFamily="34" charset="0"/>
+              </a:endParaRPr>
             </a:p>
             <a:p>
               <a:pPr>
@@ -34621,12 +34035,8 @@
                   <a:latin typeface="Arial" panose="020B0604020202020204" pitchFamily="34" charset="0"/>
                   <a:cs typeface="Arial" panose="020B0604020202020204" pitchFamily="34" charset="0"/>
                 </a:rPr>
-                <a:t>Non-focal lake</a:t>
+                <a:t>Wetland</a:t>
               </a:r>
-              <a:endParaRPr lang="en-US" sz="1000" dirty="0">
-                <a:latin typeface="Arial" panose="020B0604020202020204" pitchFamily="34" charset="0"/>
-                <a:cs typeface="Arial" panose="020B0604020202020204" pitchFamily="34" charset="0"/>
-              </a:endParaRPr>
             </a:p>
           </p:txBody>
         </p:sp>
@@ -34705,305 +34115,6 @@
                 <a:schemeClr val="bg1">
                   <a:lumMod val="65000"/>
                 </a:schemeClr>
-              </a:solidFill>
-            </a:ln>
-          </p:spPr>
-          <p:style>
-            <a:lnRef idx="2">
-              <a:schemeClr val="accent1">
-                <a:shade val="50000"/>
-              </a:schemeClr>
-            </a:lnRef>
-            <a:fillRef idx="1">
-              <a:schemeClr val="accent1"/>
-            </a:fillRef>
-            <a:effectRef idx="0">
-              <a:schemeClr val="accent1"/>
-            </a:effectRef>
-            <a:fontRef idx="minor">
-              <a:schemeClr val="lt1"/>
-            </a:fontRef>
-          </p:style>
-          <p:txBody>
-            <a:bodyPr rtlCol="0" anchor="ctr"/>
-            <a:lstStyle/>
-            <a:p>
-              <a:pPr algn="ctr"/>
-              <a:endParaRPr lang="en-US"/>
-            </a:p>
-          </p:txBody>
-        </p:sp>
-        <p:sp>
-          <p:nvSpPr>
-            <p:cNvPr id="108" name="Freeform 107"/>
-            <p:cNvSpPr/>
-            <p:nvPr/>
-          </p:nvSpPr>
-          <p:spPr>
-            <a:xfrm>
-              <a:off x="7128593" y="3802792"/>
-              <a:ext cx="187007" cy="161280"/>
-            </a:xfrm>
-            <a:custGeom>
-              <a:avLst/>
-              <a:gdLst>
-                <a:gd name="connsiteX0" fmla="*/ 501198 w 740684"/>
-                <a:gd name="connsiteY0" fmla="*/ 185057 h 566935"/>
-                <a:gd name="connsiteX1" fmla="*/ 501198 w 740684"/>
-                <a:gd name="connsiteY1" fmla="*/ 185057 h 566935"/>
-                <a:gd name="connsiteX2" fmla="*/ 424998 w 740684"/>
-                <a:gd name="connsiteY2" fmla="*/ 76200 h 566935"/>
-                <a:gd name="connsiteX3" fmla="*/ 381455 w 740684"/>
-                <a:gd name="connsiteY3" fmla="*/ 32657 h 566935"/>
-                <a:gd name="connsiteX4" fmla="*/ 316141 w 740684"/>
-                <a:gd name="connsiteY4" fmla="*/ 0 h 566935"/>
-                <a:gd name="connsiteX5" fmla="*/ 11341 w 740684"/>
-                <a:gd name="connsiteY5" fmla="*/ 10885 h 566935"/>
-                <a:gd name="connsiteX6" fmla="*/ 455 w 740684"/>
-                <a:gd name="connsiteY6" fmla="*/ 54428 h 566935"/>
-                <a:gd name="connsiteX7" fmla="*/ 11341 w 740684"/>
-                <a:gd name="connsiteY7" fmla="*/ 206828 h 566935"/>
-                <a:gd name="connsiteX8" fmla="*/ 43998 w 740684"/>
-                <a:gd name="connsiteY8" fmla="*/ 261257 h 566935"/>
-                <a:gd name="connsiteX9" fmla="*/ 54884 w 740684"/>
-                <a:gd name="connsiteY9" fmla="*/ 489857 h 566935"/>
-                <a:gd name="connsiteX10" fmla="*/ 120198 w 740684"/>
-                <a:gd name="connsiteY10" fmla="*/ 511628 h 566935"/>
-                <a:gd name="connsiteX11" fmla="*/ 250827 w 740684"/>
-                <a:gd name="connsiteY11" fmla="*/ 500743 h 566935"/>
-                <a:gd name="connsiteX12" fmla="*/ 283484 w 740684"/>
-                <a:gd name="connsiteY12" fmla="*/ 489857 h 566935"/>
-                <a:gd name="connsiteX13" fmla="*/ 305255 w 740684"/>
-                <a:gd name="connsiteY13" fmla="*/ 468085 h 566935"/>
-                <a:gd name="connsiteX14" fmla="*/ 403227 w 740684"/>
-                <a:gd name="connsiteY14" fmla="*/ 489857 h 566935"/>
-                <a:gd name="connsiteX15" fmla="*/ 435884 w 740684"/>
-                <a:gd name="connsiteY15" fmla="*/ 522514 h 566935"/>
-                <a:gd name="connsiteX16" fmla="*/ 468541 w 740684"/>
-                <a:gd name="connsiteY16" fmla="*/ 533400 h 566935"/>
-                <a:gd name="connsiteX17" fmla="*/ 533855 w 740684"/>
-                <a:gd name="connsiteY17" fmla="*/ 566057 h 566935"/>
-                <a:gd name="connsiteX18" fmla="*/ 686255 w 740684"/>
-                <a:gd name="connsiteY18" fmla="*/ 555171 h 566935"/>
-                <a:gd name="connsiteX19" fmla="*/ 708027 w 740684"/>
-                <a:gd name="connsiteY19" fmla="*/ 489857 h 566935"/>
-                <a:gd name="connsiteX20" fmla="*/ 708027 w 740684"/>
-                <a:gd name="connsiteY20" fmla="*/ 293914 h 566935"/>
-                <a:gd name="connsiteX21" fmla="*/ 729798 w 740684"/>
-                <a:gd name="connsiteY21" fmla="*/ 228600 h 566935"/>
-                <a:gd name="connsiteX22" fmla="*/ 740684 w 740684"/>
-                <a:gd name="connsiteY22" fmla="*/ 195943 h 566935"/>
-                <a:gd name="connsiteX23" fmla="*/ 566512 w 740684"/>
-                <a:gd name="connsiteY23" fmla="*/ 185057 h 566935"/>
-                <a:gd name="connsiteX24" fmla="*/ 501198 w 740684"/>
-                <a:gd name="connsiteY24" fmla="*/ 185057 h 566935"/>
-              </a:gdLst>
-              <a:ahLst/>
-              <a:cxnLst>
-                <a:cxn ang="0">
-                  <a:pos x="connsiteX0" y="connsiteY0"/>
-                </a:cxn>
-                <a:cxn ang="0">
-                  <a:pos x="connsiteX1" y="connsiteY1"/>
-                </a:cxn>
-                <a:cxn ang="0">
-                  <a:pos x="connsiteX2" y="connsiteY2"/>
-                </a:cxn>
-                <a:cxn ang="0">
-                  <a:pos x="connsiteX3" y="connsiteY3"/>
-                </a:cxn>
-                <a:cxn ang="0">
-                  <a:pos x="connsiteX4" y="connsiteY4"/>
-                </a:cxn>
-                <a:cxn ang="0">
-                  <a:pos x="connsiteX5" y="connsiteY5"/>
-                </a:cxn>
-                <a:cxn ang="0">
-                  <a:pos x="connsiteX6" y="connsiteY6"/>
-                </a:cxn>
-                <a:cxn ang="0">
-                  <a:pos x="connsiteX7" y="connsiteY7"/>
-                </a:cxn>
-                <a:cxn ang="0">
-                  <a:pos x="connsiteX8" y="connsiteY8"/>
-                </a:cxn>
-                <a:cxn ang="0">
-                  <a:pos x="connsiteX9" y="connsiteY9"/>
-                </a:cxn>
-                <a:cxn ang="0">
-                  <a:pos x="connsiteX10" y="connsiteY10"/>
-                </a:cxn>
-                <a:cxn ang="0">
-                  <a:pos x="connsiteX11" y="connsiteY11"/>
-                </a:cxn>
-                <a:cxn ang="0">
-                  <a:pos x="connsiteX12" y="connsiteY12"/>
-                </a:cxn>
-                <a:cxn ang="0">
-                  <a:pos x="connsiteX13" y="connsiteY13"/>
-                </a:cxn>
-                <a:cxn ang="0">
-                  <a:pos x="connsiteX14" y="connsiteY14"/>
-                </a:cxn>
-                <a:cxn ang="0">
-                  <a:pos x="connsiteX15" y="connsiteY15"/>
-                </a:cxn>
-                <a:cxn ang="0">
-                  <a:pos x="connsiteX16" y="connsiteY16"/>
-                </a:cxn>
-                <a:cxn ang="0">
-                  <a:pos x="connsiteX17" y="connsiteY17"/>
-                </a:cxn>
-                <a:cxn ang="0">
-                  <a:pos x="connsiteX18" y="connsiteY18"/>
-                </a:cxn>
-                <a:cxn ang="0">
-                  <a:pos x="connsiteX19" y="connsiteY19"/>
-                </a:cxn>
-                <a:cxn ang="0">
-                  <a:pos x="connsiteX20" y="connsiteY20"/>
-                </a:cxn>
-                <a:cxn ang="0">
-                  <a:pos x="connsiteX21" y="connsiteY21"/>
-                </a:cxn>
-                <a:cxn ang="0">
-                  <a:pos x="connsiteX22" y="connsiteY22"/>
-                </a:cxn>
-                <a:cxn ang="0">
-                  <a:pos x="connsiteX23" y="connsiteY23"/>
-                </a:cxn>
-                <a:cxn ang="0">
-                  <a:pos x="connsiteX24" y="connsiteY24"/>
-                </a:cxn>
-              </a:cxnLst>
-              <a:rect l="l" t="t" r="r" b="b"/>
-              <a:pathLst>
-                <a:path w="740684" h="566935">
-                  <a:moveTo>
-                    <a:pt x="501198" y="185057"/>
-                  </a:moveTo>
-                  <a:lnTo>
-                    <a:pt x="501198" y="185057"/>
-                  </a:lnTo>
-                  <a:cubicBezTo>
-                    <a:pt x="475798" y="148771"/>
-                    <a:pt x="456317" y="107519"/>
-                    <a:pt x="424998" y="76200"/>
-                  </a:cubicBezTo>
-                  <a:cubicBezTo>
-                    <a:pt x="410484" y="61686"/>
-                    <a:pt x="400928" y="39148"/>
-                    <a:pt x="381455" y="32657"/>
-                  </a:cubicBezTo>
-                  <a:cubicBezTo>
-                    <a:pt x="336387" y="17634"/>
-                    <a:pt x="358345" y="28136"/>
-                    <a:pt x="316141" y="0"/>
-                  </a:cubicBezTo>
-                  <a:lnTo>
-                    <a:pt x="11341" y="10885"/>
-                  </a:lnTo>
-                  <a:cubicBezTo>
-                    <a:pt x="-3403" y="13427"/>
-                    <a:pt x="455" y="39467"/>
-                    <a:pt x="455" y="54428"/>
-                  </a:cubicBezTo>
-                  <a:cubicBezTo>
-                    <a:pt x="455" y="105357"/>
-                    <a:pt x="5390" y="156247"/>
-                    <a:pt x="11341" y="206828"/>
-                  </a:cubicBezTo>
-                  <a:cubicBezTo>
-                    <a:pt x="15109" y="238858"/>
-                    <a:pt x="23383" y="240641"/>
-                    <a:pt x="43998" y="261257"/>
-                  </a:cubicBezTo>
-                  <a:cubicBezTo>
-                    <a:pt x="47627" y="337457"/>
-                    <a:pt x="32672" y="416876"/>
-                    <a:pt x="54884" y="489857"/>
-                  </a:cubicBezTo>
-                  <a:cubicBezTo>
-                    <a:pt x="61566" y="511812"/>
-                    <a:pt x="120198" y="511628"/>
-                    <a:pt x="120198" y="511628"/>
-                  </a:cubicBezTo>
-                  <a:cubicBezTo>
-                    <a:pt x="163741" y="508000"/>
-                    <a:pt x="207516" y="506518"/>
-                    <a:pt x="250827" y="500743"/>
-                  </a:cubicBezTo>
-                  <a:cubicBezTo>
-                    <a:pt x="262201" y="499227"/>
-                    <a:pt x="273645" y="495761"/>
-                    <a:pt x="283484" y="489857"/>
-                  </a:cubicBezTo>
-                  <a:cubicBezTo>
-                    <a:pt x="292285" y="484576"/>
-                    <a:pt x="297998" y="475342"/>
-                    <a:pt x="305255" y="468085"/>
-                  </a:cubicBezTo>
-                  <a:cubicBezTo>
-                    <a:pt x="313159" y="469402"/>
-                    <a:pt x="385361" y="477946"/>
-                    <a:pt x="403227" y="489857"/>
-                  </a:cubicBezTo>
-                  <a:cubicBezTo>
-                    <a:pt x="416036" y="498396"/>
-                    <a:pt x="423075" y="513975"/>
-                    <a:pt x="435884" y="522514"/>
-                  </a:cubicBezTo>
-                  <a:cubicBezTo>
-                    <a:pt x="445431" y="528879"/>
-                    <a:pt x="458278" y="528268"/>
-                    <a:pt x="468541" y="533400"/>
-                  </a:cubicBezTo>
-                  <a:cubicBezTo>
-                    <a:pt x="552950" y="575604"/>
-                    <a:pt x="451771" y="538695"/>
-                    <a:pt x="533855" y="566057"/>
-                  </a:cubicBezTo>
-                  <a:cubicBezTo>
-                    <a:pt x="584655" y="562428"/>
-                    <a:pt x="639596" y="575584"/>
-                    <a:pt x="686255" y="555171"/>
-                  </a:cubicBezTo>
-                  <a:cubicBezTo>
-                    <a:pt x="707280" y="545973"/>
-                    <a:pt x="708027" y="489857"/>
-                    <a:pt x="708027" y="489857"/>
-                  </a:cubicBezTo>
-                  <a:cubicBezTo>
-                    <a:pt x="695033" y="398903"/>
-                    <a:pt x="689257" y="400280"/>
-                    <a:pt x="708027" y="293914"/>
-                  </a:cubicBezTo>
-                  <a:cubicBezTo>
-                    <a:pt x="712015" y="271314"/>
-                    <a:pt x="722541" y="250371"/>
-                    <a:pt x="729798" y="228600"/>
-                  </a:cubicBezTo>
-                  <a:lnTo>
-                    <a:pt x="740684" y="195943"/>
-                  </a:lnTo>
-                  <a:cubicBezTo>
-                    <a:pt x="640774" y="162639"/>
-                    <a:pt x="698205" y="171887"/>
-                    <a:pt x="566512" y="185057"/>
-                  </a:cubicBezTo>
-                  <a:lnTo>
-                    <a:pt x="501198" y="185057"/>
-                  </a:lnTo>
-                  <a:close/>
-                </a:path>
-              </a:pathLst>
-            </a:custGeom>
-            <a:solidFill>
-              <a:srgbClr val="C4DBF4"/>
-            </a:solidFill>
-            <a:ln w="12700">
-              <a:solidFill>
-                <a:schemeClr val="tx1"/>
               </a:solidFill>
             </a:ln>
           </p:spPr>
@@ -43293,6 +42404,155 @@
               <a:latin typeface="Arial" panose="020B0604020202020204" pitchFamily="34" charset="0"/>
               <a:cs typeface="Arial" panose="020B0604020202020204" pitchFamily="34" charset="0"/>
             </a:endParaRPr>
+          </a:p>
+        </p:txBody>
+      </p:sp>
+      <p:sp>
+        <p:nvSpPr>
+          <p:cNvPr id="59" name="Rectangle 58"/>
+          <p:cNvSpPr/>
+          <p:nvPr/>
+        </p:nvSpPr>
+        <p:spPr>
+          <a:xfrm>
+            <a:off x="7102929" y="3568229"/>
+            <a:ext cx="184120" cy="175070"/>
+          </a:xfrm>
+          <a:prstGeom prst="rect">
+            <a:avLst/>
+          </a:prstGeom>
+          <a:solidFill>
+            <a:srgbClr val="2547F3"/>
+          </a:solidFill>
+          <a:ln>
+            <a:solidFill>
+              <a:schemeClr val="tx1"/>
+            </a:solidFill>
+          </a:ln>
+        </p:spPr>
+        <p:style>
+          <a:lnRef idx="2">
+            <a:schemeClr val="accent1">
+              <a:shade val="50000"/>
+            </a:schemeClr>
+          </a:lnRef>
+          <a:fillRef idx="1">
+            <a:schemeClr val="accent1"/>
+          </a:fillRef>
+          <a:effectRef idx="0">
+            <a:schemeClr val="accent1"/>
+          </a:effectRef>
+          <a:fontRef idx="minor">
+            <a:schemeClr val="lt1"/>
+          </a:fontRef>
+        </p:style>
+        <p:txBody>
+          <a:bodyPr rtlCol="0" anchor="ctr"/>
+          <a:lstStyle/>
+          <a:p>
+            <a:pPr algn="ctr"/>
+            <a:endParaRPr lang="en-US"/>
+          </a:p>
+        </p:txBody>
+      </p:sp>
+      <p:sp>
+        <p:nvSpPr>
+          <p:cNvPr id="60" name="Rectangle 59"/>
+          <p:cNvSpPr/>
+          <p:nvPr/>
+        </p:nvSpPr>
+        <p:spPr>
+          <a:xfrm>
+            <a:off x="7104802" y="3795889"/>
+            <a:ext cx="184120" cy="175070"/>
+          </a:xfrm>
+          <a:prstGeom prst="rect">
+            <a:avLst/>
+          </a:prstGeom>
+          <a:solidFill>
+            <a:srgbClr val="C4DBF4"/>
+          </a:solidFill>
+          <a:ln>
+            <a:solidFill>
+              <a:schemeClr val="tx1"/>
+            </a:solidFill>
+          </a:ln>
+        </p:spPr>
+        <p:style>
+          <a:lnRef idx="2">
+            <a:schemeClr val="accent1">
+              <a:shade val="50000"/>
+            </a:schemeClr>
+          </a:lnRef>
+          <a:fillRef idx="1">
+            <a:schemeClr val="accent1"/>
+          </a:fillRef>
+          <a:effectRef idx="0">
+            <a:schemeClr val="accent1"/>
+          </a:effectRef>
+          <a:fontRef idx="minor">
+            <a:schemeClr val="lt1"/>
+          </a:fontRef>
+        </p:style>
+        <p:txBody>
+          <a:bodyPr rtlCol="0" anchor="ctr"/>
+          <a:lstStyle/>
+          <a:p>
+            <a:pPr algn="ctr"/>
+            <a:endParaRPr lang="en-US"/>
+          </a:p>
+        </p:txBody>
+      </p:sp>
+      <p:sp>
+        <p:nvSpPr>
+          <p:cNvPr id="61" name="Rectangle 60"/>
+          <p:cNvSpPr/>
+          <p:nvPr/>
+        </p:nvSpPr>
+        <p:spPr>
+          <a:xfrm>
+            <a:off x="7109458" y="4043787"/>
+            <a:ext cx="184120" cy="175070"/>
+          </a:xfrm>
+          <a:prstGeom prst="rect">
+            <a:avLst/>
+          </a:prstGeom>
+          <a:solidFill>
+            <a:schemeClr val="accent3">
+              <a:lumMod val="60000"/>
+              <a:lumOff val="40000"/>
+            </a:schemeClr>
+          </a:solidFill>
+          <a:ln>
+            <a:solidFill>
+              <a:schemeClr val="bg1">
+                <a:lumMod val="65000"/>
+              </a:schemeClr>
+            </a:solidFill>
+          </a:ln>
+        </p:spPr>
+        <p:style>
+          <a:lnRef idx="2">
+            <a:schemeClr val="accent1">
+              <a:shade val="50000"/>
+            </a:schemeClr>
+          </a:lnRef>
+          <a:fillRef idx="1">
+            <a:schemeClr val="accent1"/>
+          </a:fillRef>
+          <a:effectRef idx="0">
+            <a:schemeClr val="accent1"/>
+          </a:effectRef>
+          <a:fontRef idx="minor">
+            <a:schemeClr val="lt1"/>
+          </a:fontRef>
+        </p:style>
+        <p:txBody>
+          <a:bodyPr rtlCol="0" anchor="ctr"/>
+          <a:lstStyle/>
+          <a:p>
+            <a:pPr algn="ctr"/>
+            <a:endParaRPr lang="en-US"/>
           </a:p>
         </p:txBody>
       </p:sp>

--- a/ConceptualModel/ConceptualModel.pptx
+++ b/ConceptualModel/ConceptualModel.pptx
@@ -199,7 +199,7 @@
           <a:p>
             <a:fld id="{54572566-CCA2-4D4D-A440-3FE10FF47AA2}" type="datetimeFigureOut">
               <a:rPr lang="en-US" smtClean="0"/>
-              <a:t>5/21/2019</a:t>
+              <a:t>6/21/2019</a:t>
             </a:fld>
             <a:endParaRPr lang="en-US"/>
           </a:p>
@@ -598,7 +598,7 @@
           <a:p>
             <a:fld id="{E390F6E8-C144-436A-9D85-3DE21C0B37C4}" type="datetimeFigureOut">
               <a:rPr lang="en-US" smtClean="0"/>
-              <a:t>5/21/2019</a:t>
+              <a:t>6/21/2019</a:t>
             </a:fld>
             <a:endParaRPr lang="en-US"/>
           </a:p>
@@ -768,7 +768,7 @@
           <a:p>
             <a:fld id="{E390F6E8-C144-436A-9D85-3DE21C0B37C4}" type="datetimeFigureOut">
               <a:rPr lang="en-US" smtClean="0"/>
-              <a:t>5/21/2019</a:t>
+              <a:t>6/21/2019</a:t>
             </a:fld>
             <a:endParaRPr lang="en-US"/>
           </a:p>
@@ -948,7 +948,7 @@
           <a:p>
             <a:fld id="{E390F6E8-C144-436A-9D85-3DE21C0B37C4}" type="datetimeFigureOut">
               <a:rPr lang="en-US" smtClean="0"/>
-              <a:t>5/21/2019</a:t>
+              <a:t>6/21/2019</a:t>
             </a:fld>
             <a:endParaRPr lang="en-US"/>
           </a:p>
@@ -1118,7 +1118,7 @@
           <a:p>
             <a:fld id="{E390F6E8-C144-436A-9D85-3DE21C0B37C4}" type="datetimeFigureOut">
               <a:rPr lang="en-US" smtClean="0"/>
-              <a:t>5/21/2019</a:t>
+              <a:t>6/21/2019</a:t>
             </a:fld>
             <a:endParaRPr lang="en-US"/>
           </a:p>
@@ -1362,7 +1362,7 @@
           <a:p>
             <a:fld id="{E390F6E8-C144-436A-9D85-3DE21C0B37C4}" type="datetimeFigureOut">
               <a:rPr lang="en-US" smtClean="0"/>
-              <a:t>5/21/2019</a:t>
+              <a:t>6/21/2019</a:t>
             </a:fld>
             <a:endParaRPr lang="en-US"/>
           </a:p>
@@ -1594,7 +1594,7 @@
           <a:p>
             <a:fld id="{E390F6E8-C144-436A-9D85-3DE21C0B37C4}" type="datetimeFigureOut">
               <a:rPr lang="en-US" smtClean="0"/>
-              <a:t>5/21/2019</a:t>
+              <a:t>6/21/2019</a:t>
             </a:fld>
             <a:endParaRPr lang="en-US"/>
           </a:p>
@@ -1961,7 +1961,7 @@
           <a:p>
             <a:fld id="{E390F6E8-C144-436A-9D85-3DE21C0B37C4}" type="datetimeFigureOut">
               <a:rPr lang="en-US" smtClean="0"/>
-              <a:t>5/21/2019</a:t>
+              <a:t>6/21/2019</a:t>
             </a:fld>
             <a:endParaRPr lang="en-US"/>
           </a:p>
@@ -2079,7 +2079,7 @@
           <a:p>
             <a:fld id="{E390F6E8-C144-436A-9D85-3DE21C0B37C4}" type="datetimeFigureOut">
               <a:rPr lang="en-US" smtClean="0"/>
-              <a:t>5/21/2019</a:t>
+              <a:t>6/21/2019</a:t>
             </a:fld>
             <a:endParaRPr lang="en-US"/>
           </a:p>
@@ -2174,7 +2174,7 @@
           <a:p>
             <a:fld id="{E390F6E8-C144-436A-9D85-3DE21C0B37C4}" type="datetimeFigureOut">
               <a:rPr lang="en-US" smtClean="0"/>
-              <a:t>5/21/2019</a:t>
+              <a:t>6/21/2019</a:t>
             </a:fld>
             <a:endParaRPr lang="en-US"/>
           </a:p>
@@ -2451,7 +2451,7 @@
           <a:p>
             <a:fld id="{E390F6E8-C144-436A-9D85-3DE21C0B37C4}" type="datetimeFigureOut">
               <a:rPr lang="en-US" smtClean="0"/>
-              <a:t>5/21/2019</a:t>
+              <a:t>6/21/2019</a:t>
             </a:fld>
             <a:endParaRPr lang="en-US"/>
           </a:p>
@@ -2708,7 +2708,7 @@
           <a:p>
             <a:fld id="{E390F6E8-C144-436A-9D85-3DE21C0B37C4}" type="datetimeFigureOut">
               <a:rPr lang="en-US" smtClean="0"/>
-              <a:t>5/21/2019</a:t>
+              <a:t>6/21/2019</a:t>
             </a:fld>
             <a:endParaRPr lang="en-US"/>
           </a:p>
@@ -2921,7 +2921,7 @@
           <a:p>
             <a:fld id="{E390F6E8-C144-436A-9D85-3DE21C0B37C4}" type="datetimeFigureOut">
               <a:rPr lang="en-US" smtClean="0"/>
-              <a:t>5/21/2019</a:t>
+              <a:t>6/21/2019</a:t>
             </a:fld>
             <a:endParaRPr lang="en-US"/>
           </a:p>
@@ -34019,10 +34019,6 @@
                 </a:rPr>
                 <a:t>lake</a:t>
               </a:r>
-              <a:endParaRPr lang="en-US" sz="1000" dirty="0" smtClean="0">
-                <a:latin typeface="Arial" panose="020B0604020202020204" pitchFamily="34" charset="0"/>
-                <a:cs typeface="Arial" panose="020B0604020202020204" pitchFamily="34" charset="0"/>
-              </a:endParaRPr>
             </a:p>
             <a:p>
               <a:pPr>
@@ -41045,7 +41041,7 @@
                 <a:latin typeface="Arial" panose="020B0604020202020204" pitchFamily="34" charset="0"/>
                 <a:cs typeface="Arial" panose="020B0604020202020204" pitchFamily="34" charset="0"/>
               </a:rPr>
-              <a:t>C)</a:t>
+              <a:t>c)</a:t>
             </a:r>
             <a:endParaRPr lang="en-US" sz="1100" b="1" dirty="0">
               <a:latin typeface="Arial" panose="020B0604020202020204" pitchFamily="34" charset="0"/>
@@ -41084,18 +41080,11 @@
           <a:lstStyle/>
           <a:p>
             <a:r>
-              <a:rPr lang="en-US" sz="1100" b="1" dirty="0">
-                <a:latin typeface="Arial" panose="020B0604020202020204" pitchFamily="34" charset="0"/>
-                <a:cs typeface="Arial" panose="020B0604020202020204" pitchFamily="34" charset="0"/>
-              </a:rPr>
-              <a:t>A</a:t>
-            </a:r>
-            <a:r>
               <a:rPr lang="en-US" sz="1100" b="1" dirty="0" smtClean="0">
                 <a:latin typeface="Arial" panose="020B0604020202020204" pitchFamily="34" charset="0"/>
                 <a:cs typeface="Arial" panose="020B0604020202020204" pitchFamily="34" charset="0"/>
               </a:rPr>
-              <a:t>)</a:t>
+              <a:t>a)</a:t>
             </a:r>
             <a:endParaRPr lang="en-US" sz="1100" b="1" dirty="0">
               <a:latin typeface="Arial" panose="020B0604020202020204" pitchFamily="34" charset="0"/>
@@ -41134,18 +41123,11 @@
           <a:lstStyle/>
           <a:p>
             <a:r>
-              <a:rPr lang="en-US" sz="1100" b="1" dirty="0">
-                <a:latin typeface="Arial" panose="020B0604020202020204" pitchFamily="34" charset="0"/>
-                <a:cs typeface="Arial" panose="020B0604020202020204" pitchFamily="34" charset="0"/>
-              </a:rPr>
-              <a:t>D</a:t>
-            </a:r>
-            <a:r>
               <a:rPr lang="en-US" sz="1100" b="1" dirty="0" smtClean="0">
                 <a:latin typeface="Arial" panose="020B0604020202020204" pitchFamily="34" charset="0"/>
                 <a:cs typeface="Arial" panose="020B0604020202020204" pitchFamily="34" charset="0"/>
               </a:rPr>
-              <a:t>)</a:t>
+              <a:t>d)</a:t>
             </a:r>
             <a:endParaRPr lang="en-US" sz="1100" b="1" dirty="0">
               <a:latin typeface="Arial" panose="020B0604020202020204" pitchFamily="34" charset="0"/>
@@ -41184,18 +41166,11 @@
           <a:lstStyle/>
           <a:p>
             <a:r>
-              <a:rPr lang="en-US" sz="1100" b="1" dirty="0">
-                <a:latin typeface="Arial" panose="020B0604020202020204" pitchFamily="34" charset="0"/>
-                <a:cs typeface="Arial" panose="020B0604020202020204" pitchFamily="34" charset="0"/>
-              </a:rPr>
-              <a:t>B</a:t>
-            </a:r>
-            <a:r>
               <a:rPr lang="en-US" sz="1100" b="1" dirty="0" smtClean="0">
                 <a:latin typeface="Arial" panose="020B0604020202020204" pitchFamily="34" charset="0"/>
                 <a:cs typeface="Arial" panose="020B0604020202020204" pitchFamily="34" charset="0"/>
               </a:rPr>
-              <a:t>)</a:t>
+              <a:t>b)</a:t>
             </a:r>
             <a:endParaRPr lang="en-US" sz="1100" b="1" dirty="0">
               <a:latin typeface="Arial" panose="020B0604020202020204" pitchFamily="34" charset="0"/>
